--- a/artigo.pptx
+++ b/artigo.pptx
@@ -368,7 +368,7 @@
           <a:p>
             <a:fld id="{E46B4C72-4460-4C5C-9A95-F30FC5C356F0}" type="datetimeFigureOut">
               <a:rPr lang="en-US" smtClean="0"/>
-              <a:t>12/2/2018</a:t>
+              <a:t>12/3/2018</a:t>
             </a:fld>
             <a:endParaRPr lang="en-US"/>
           </a:p>
@@ -538,7 +538,7 @@
           <a:p>
             <a:fld id="{E46B4C72-4460-4C5C-9A95-F30FC5C356F0}" type="datetimeFigureOut">
               <a:rPr lang="en-US" smtClean="0"/>
-              <a:t>12/2/2018</a:t>
+              <a:t>12/3/2018</a:t>
             </a:fld>
             <a:endParaRPr lang="en-US"/>
           </a:p>
@@ -718,7 +718,7 @@
           <a:p>
             <a:fld id="{E46B4C72-4460-4C5C-9A95-F30FC5C356F0}" type="datetimeFigureOut">
               <a:rPr lang="en-US" smtClean="0"/>
-              <a:t>12/2/2018</a:t>
+              <a:t>12/3/2018</a:t>
             </a:fld>
             <a:endParaRPr lang="en-US"/>
           </a:p>
@@ -888,7 +888,7 @@
           <a:p>
             <a:fld id="{E46B4C72-4460-4C5C-9A95-F30FC5C356F0}" type="datetimeFigureOut">
               <a:rPr lang="en-US" smtClean="0"/>
-              <a:t>12/2/2018</a:t>
+              <a:t>12/3/2018</a:t>
             </a:fld>
             <a:endParaRPr lang="en-US"/>
           </a:p>
@@ -1132,7 +1132,7 @@
           <a:p>
             <a:fld id="{E46B4C72-4460-4C5C-9A95-F30FC5C356F0}" type="datetimeFigureOut">
               <a:rPr lang="en-US" smtClean="0"/>
-              <a:t>12/2/2018</a:t>
+              <a:t>12/3/2018</a:t>
             </a:fld>
             <a:endParaRPr lang="en-US"/>
           </a:p>
@@ -1364,7 +1364,7 @@
           <a:p>
             <a:fld id="{E46B4C72-4460-4C5C-9A95-F30FC5C356F0}" type="datetimeFigureOut">
               <a:rPr lang="en-US" smtClean="0"/>
-              <a:t>12/2/2018</a:t>
+              <a:t>12/3/2018</a:t>
             </a:fld>
             <a:endParaRPr lang="en-US"/>
           </a:p>
@@ -1731,7 +1731,7 @@
           <a:p>
             <a:fld id="{E46B4C72-4460-4C5C-9A95-F30FC5C356F0}" type="datetimeFigureOut">
               <a:rPr lang="en-US" smtClean="0"/>
-              <a:t>12/2/2018</a:t>
+              <a:t>12/3/2018</a:t>
             </a:fld>
             <a:endParaRPr lang="en-US"/>
           </a:p>
@@ -1849,7 +1849,7 @@
           <a:p>
             <a:fld id="{E46B4C72-4460-4C5C-9A95-F30FC5C356F0}" type="datetimeFigureOut">
               <a:rPr lang="en-US" smtClean="0"/>
-              <a:t>12/2/2018</a:t>
+              <a:t>12/3/2018</a:t>
             </a:fld>
             <a:endParaRPr lang="en-US"/>
           </a:p>
@@ -1944,7 +1944,7 @@
           <a:p>
             <a:fld id="{E46B4C72-4460-4C5C-9A95-F30FC5C356F0}" type="datetimeFigureOut">
               <a:rPr lang="en-US" smtClean="0"/>
-              <a:t>12/2/2018</a:t>
+              <a:t>12/3/2018</a:t>
             </a:fld>
             <a:endParaRPr lang="en-US"/>
           </a:p>
@@ -2221,7 +2221,7 @@
           <a:p>
             <a:fld id="{E46B4C72-4460-4C5C-9A95-F30FC5C356F0}" type="datetimeFigureOut">
               <a:rPr lang="en-US" smtClean="0"/>
-              <a:t>12/2/2018</a:t>
+              <a:t>12/3/2018</a:t>
             </a:fld>
             <a:endParaRPr lang="en-US"/>
           </a:p>
@@ -2478,7 +2478,7 @@
           <a:p>
             <a:fld id="{E46B4C72-4460-4C5C-9A95-F30FC5C356F0}" type="datetimeFigureOut">
               <a:rPr lang="en-US" smtClean="0"/>
-              <a:t>12/2/2018</a:t>
+              <a:t>12/3/2018</a:t>
             </a:fld>
             <a:endParaRPr lang="en-US"/>
           </a:p>
@@ -2691,7 +2691,7 @@
           <a:p>
             <a:fld id="{E46B4C72-4460-4C5C-9A95-F30FC5C356F0}" type="datetimeFigureOut">
               <a:rPr lang="en-US" smtClean="0"/>
-              <a:t>12/2/2018</a:t>
+              <a:t>12/3/2018</a:t>
             </a:fld>
             <a:endParaRPr lang="en-US"/>
           </a:p>
@@ -3586,7 +3586,7 @@
         <p:spPr>
           <a:xfrm>
             <a:off x="5101639" y="3809445"/>
-            <a:ext cx="4182061" cy="9048631"/>
+            <a:ext cx="4182061" cy="9556462"/>
           </a:xfrm>
           <a:prstGeom prst="rect">
             <a:avLst/>
@@ -3642,6 +3642,16 @@
           </a:p>
           <a:p>
             <a:pPr algn="just"/>
+            <a:r>
+              <a:rPr lang="pt-BR" sz="1400" dirty="0">
+                <a:latin typeface="Arial" panose="020B0604020202020204" pitchFamily="34" charset="0"/>
+                <a:cs typeface="Arial" panose="020B0604020202020204" pitchFamily="34" charset="0"/>
+              </a:rPr>
+              <a:t>Link de acesso ao website: http://segurancasalvador.ieducation.tech/.</a:t>
+            </a:r>
+          </a:p>
+          <a:p>
+            <a:pPr algn="just"/>
             <a:endParaRPr lang="pt-BR" sz="1400" dirty="0">
               <a:latin typeface="Arial" panose="020B0604020202020204" pitchFamily="34" charset="0"/>
               <a:cs typeface="Arial" panose="020B0604020202020204" pitchFamily="34" charset="0"/>
@@ -3709,7 +3719,35 @@
                 <a:latin typeface="Arial" panose="020B0604020202020204" pitchFamily="34" charset="0"/>
                 <a:cs typeface="Arial" panose="020B0604020202020204" pitchFamily="34" charset="0"/>
               </a:rPr>
-              <a:t>Com o Projeto Segurança Salvador, podemos concluir a importância da analise de dados e como ela pode ser útil para a sociedades. Com esse projeto, mesmo não obtendo um número largo de dados, pudemos ter uma noção de como esta a situação da segurança em Salvador.</a:t>
+              <a:t>Com o Projeto Segurança Salvador, podemos concluir a importância da analise de dados e como ela pode ser útil para a sociedades. Com esse projeto, mesmo não obtendo um número largo de dados, pudemos ter uma noção de como esta a situação da segurança em Salvador. Pontos de melhoria incluir técnicas de </a:t>
+            </a:r>
+            <a:r>
+              <a:rPr lang="pt-BR" sz="1400" dirty="0" err="1">
+                <a:latin typeface="Arial" panose="020B0604020202020204" pitchFamily="34" charset="0"/>
+                <a:cs typeface="Arial" panose="020B0604020202020204" pitchFamily="34" charset="0"/>
+              </a:rPr>
+              <a:t>machine</a:t>
+            </a:r>
+            <a:r>
+              <a:rPr lang="pt-BR" sz="1400" dirty="0">
+                <a:latin typeface="Arial" panose="020B0604020202020204" pitchFamily="34" charset="0"/>
+                <a:cs typeface="Arial" panose="020B0604020202020204" pitchFamily="34" charset="0"/>
+              </a:rPr>
+              <a:t> </a:t>
+            </a:r>
+            <a:r>
+              <a:rPr lang="pt-BR" sz="1400" dirty="0" err="1">
+                <a:latin typeface="Arial" panose="020B0604020202020204" pitchFamily="34" charset="0"/>
+                <a:cs typeface="Arial" panose="020B0604020202020204" pitchFamily="34" charset="0"/>
+              </a:rPr>
+              <a:t>learning</a:t>
+            </a:r>
+            <a:r>
+              <a:rPr lang="pt-BR" sz="1400" dirty="0">
+                <a:latin typeface="Arial" panose="020B0604020202020204" pitchFamily="34" charset="0"/>
+                <a:cs typeface="Arial" panose="020B0604020202020204" pitchFamily="34" charset="0"/>
+              </a:rPr>
+              <a:t> no projeto.</a:t>
             </a:r>
           </a:p>
           <a:p>
@@ -3732,92 +3770,92 @@
           <a:p>
             <a:pPr algn="just"/>
             <a:r>
-              <a:rPr lang="pt-BR" sz="1200" b="1" dirty="0" err="1"/>
+              <a:rPr lang="pt-BR" sz="1000" b="1" dirty="0" err="1"/>
               <a:t>Barchart</a:t>
             </a:r>
             <a:r>
-              <a:rPr lang="pt-BR" sz="1200" b="1" dirty="0"/>
+              <a:rPr lang="pt-BR" sz="1000" b="1" dirty="0"/>
               <a:t>. </a:t>
             </a:r>
             <a:r>
-              <a:rPr lang="pt-BR" sz="1200" i="1" dirty="0"/>
+              <a:rPr lang="pt-BR" sz="1000" i="1" dirty="0"/>
               <a:t>Disponível em: </a:t>
             </a:r>
             <a:r>
-              <a:rPr lang="pt-BR" sz="1200" dirty="0"/>
+              <a:rPr lang="pt-BR" sz="1000" dirty="0"/>
               <a:t>&lt;https://matplotlib.org/</a:t>
             </a:r>
             <a:r>
-              <a:rPr lang="pt-BR" sz="1200" dirty="0" err="1"/>
+              <a:rPr lang="pt-BR" sz="1000" dirty="0" err="1"/>
               <a:t>gallery</a:t>
             </a:r>
             <a:r>
-              <a:rPr lang="pt-BR" sz="1200" dirty="0"/>
+              <a:rPr lang="pt-BR" sz="1000" dirty="0"/>
               <a:t>/</a:t>
             </a:r>
             <a:r>
-              <a:rPr lang="pt-BR" sz="1200" dirty="0" err="1"/>
+              <a:rPr lang="pt-BR" sz="1000" dirty="0" err="1"/>
               <a:t>lines_bars_and_markers</a:t>
             </a:r>
             <a:r>
-              <a:rPr lang="pt-BR" sz="1200" dirty="0"/>
+              <a:rPr lang="pt-BR" sz="1000" dirty="0"/>
               <a:t>/barchart.html#sphx-glr-gallery-lines-bars-and-markers-barchart-py&gt;</a:t>
             </a:r>
           </a:p>
           <a:p>
             <a:pPr algn="just"/>
             <a:r>
-              <a:rPr lang="pt-BR" sz="1200" b="1" dirty="0"/>
+              <a:rPr lang="pt-BR" sz="1000" b="1" dirty="0"/>
               <a:t>CHART DEMOS. </a:t>
             </a:r>
             <a:r>
-              <a:rPr lang="pt-BR" sz="1200" i="1" dirty="0"/>
+              <a:rPr lang="pt-BR" sz="1000" i="1" dirty="0"/>
               <a:t>Disponível em: </a:t>
             </a:r>
             <a:r>
-              <a:rPr lang="pt-BR" sz="1200" dirty="0"/>
+              <a:rPr lang="pt-BR" sz="1000" dirty="0"/>
               <a:t>&lt; https://apexcharts.com/javascript-chart-demos/ &gt;</a:t>
             </a:r>
           </a:p>
           <a:p>
             <a:pPr algn="just"/>
             <a:r>
-              <a:rPr lang="pt-BR" sz="1200" dirty="0" err="1">
+              <a:rPr lang="pt-BR" sz="1000" dirty="0" err="1">
                 <a:latin typeface="Arial" panose="020B0604020202020204" pitchFamily="34" charset="0"/>
                 <a:cs typeface="Arial" panose="020B0604020202020204" pitchFamily="34" charset="0"/>
               </a:rPr>
               <a:t>Huff</a:t>
             </a:r>
             <a:r>
-              <a:rPr lang="pt-BR" sz="1200" dirty="0">
+              <a:rPr lang="pt-BR" sz="1000" dirty="0">
                 <a:latin typeface="Arial" panose="020B0604020202020204" pitchFamily="34" charset="0"/>
                 <a:cs typeface="Arial" panose="020B0604020202020204" pitchFamily="34" charset="0"/>
               </a:rPr>
               <a:t>, </a:t>
             </a:r>
             <a:r>
-              <a:rPr lang="pt-BR" sz="1200" dirty="0" err="1">
+              <a:rPr lang="pt-BR" sz="1000" dirty="0" err="1">
                 <a:latin typeface="Arial" panose="020B0604020202020204" pitchFamily="34" charset="0"/>
                 <a:cs typeface="Arial" panose="020B0604020202020204" pitchFamily="34" charset="0"/>
               </a:rPr>
               <a:t>Darrel</a:t>
             </a:r>
             <a:r>
-              <a:rPr lang="pt-BR" sz="1200" dirty="0">
+              <a:rPr lang="pt-BR" sz="1000" dirty="0">
                 <a:latin typeface="Arial" panose="020B0604020202020204" pitchFamily="34" charset="0"/>
                 <a:cs typeface="Arial" panose="020B0604020202020204" pitchFamily="34" charset="0"/>
               </a:rPr>
               <a:t>. </a:t>
             </a:r>
             <a:r>
-              <a:rPr lang="pt-BR" sz="1200" b="1" dirty="0">
+              <a:rPr lang="pt-BR" sz="1000" b="1" dirty="0">
                 <a:latin typeface="Arial" panose="020B0604020202020204" pitchFamily="34" charset="0"/>
                 <a:cs typeface="Arial" panose="020B0604020202020204" pitchFamily="34" charset="0"/>
               </a:rPr>
               <a:t>Como Mentir com Estatística</a:t>
             </a:r>
             <a:r>
-              <a:rPr lang="pt-BR" sz="1200" dirty="0">
+              <a:rPr lang="pt-BR" sz="1000" dirty="0">
                 <a:latin typeface="Arial" panose="020B0604020202020204" pitchFamily="34" charset="0"/>
                 <a:cs typeface="Arial" panose="020B0604020202020204" pitchFamily="34" charset="0"/>
               </a:rPr>
@@ -3827,38 +3865,38 @@
           <a:p>
             <a:pPr algn="just"/>
             <a:r>
-              <a:rPr lang="en-US" sz="1200" b="1" dirty="0"/>
+              <a:rPr lang="en-US" sz="1000" b="1" dirty="0"/>
               <a:t>Pandas: powerful Python data analysis toolkit</a:t>
             </a:r>
             <a:r>
-              <a:rPr lang="en-US" sz="1200" dirty="0"/>
+              <a:rPr lang="en-US" sz="1000" dirty="0"/>
               <a:t>.</a:t>
             </a:r>
             <a:r>
-              <a:rPr lang="pt-BR" sz="1200" i="1" dirty="0"/>
+              <a:rPr lang="pt-BR" sz="1000" i="1" dirty="0"/>
               <a:t> Disponível em: </a:t>
             </a:r>
             <a:r>
-              <a:rPr lang="pt-BR" sz="1200" dirty="0"/>
+              <a:rPr lang="pt-BR" sz="1000" dirty="0"/>
               <a:t>&lt;https://pandas.pydata.org/pandas-</a:t>
             </a:r>
             <a:r>
-              <a:rPr lang="pt-BR" sz="1200" dirty="0" err="1"/>
+              <a:rPr lang="pt-BR" sz="1000" dirty="0" err="1"/>
               <a:t>docs</a:t>
             </a:r>
             <a:r>
-              <a:rPr lang="pt-BR" sz="1200" dirty="0"/>
+              <a:rPr lang="pt-BR" sz="1000" dirty="0"/>
               <a:t>/</a:t>
             </a:r>
             <a:r>
-              <a:rPr lang="pt-BR" sz="1200" dirty="0" err="1"/>
+              <a:rPr lang="pt-BR" sz="1000" dirty="0" err="1"/>
               <a:t>stable</a:t>
             </a:r>
             <a:r>
-              <a:rPr lang="pt-BR" sz="1200" dirty="0"/>
+              <a:rPr lang="pt-BR" sz="1000" dirty="0"/>
               <a:t>/&gt;</a:t>
             </a:r>
-            <a:endParaRPr lang="pt-BR" sz="1200" dirty="0">
+            <a:endParaRPr lang="pt-BR" sz="1000" dirty="0">
               <a:latin typeface="Arial" panose="020B0604020202020204" pitchFamily="34" charset="0"/>
               <a:cs typeface="Arial" panose="020B0604020202020204" pitchFamily="34" charset="0"/>
             </a:endParaRPr>
@@ -3866,23 +3904,23 @@
           <a:p>
             <a:pPr algn="just"/>
             <a:r>
-              <a:rPr lang="pt-BR" sz="1200" b="1" dirty="0"/>
+              <a:rPr lang="pt-BR" sz="1000" b="1" dirty="0"/>
               <a:t>Python 3.7.1 </a:t>
             </a:r>
             <a:r>
-              <a:rPr lang="pt-BR" sz="1200" b="1" dirty="0" err="1"/>
+              <a:rPr lang="pt-BR" sz="1000" b="1" dirty="0" err="1"/>
               <a:t>documentation</a:t>
             </a:r>
             <a:r>
-              <a:rPr lang="pt-BR" sz="1200" dirty="0"/>
+              <a:rPr lang="pt-BR" sz="1000" dirty="0"/>
               <a:t>.</a:t>
             </a:r>
             <a:r>
-              <a:rPr lang="pt-BR" sz="1200" i="1" dirty="0"/>
+              <a:rPr lang="pt-BR" sz="1000" i="1" dirty="0"/>
               <a:t> Disponível em: </a:t>
             </a:r>
             <a:r>
-              <a:rPr lang="pt-BR" sz="1200" dirty="0"/>
+              <a:rPr lang="pt-BR" sz="1000" dirty="0"/>
               <a:t>&lt;https://docs.python.org/3/&gt;</a:t>
             </a:r>
           </a:p>
@@ -4014,7 +4052,7 @@
         </p:blipFill>
         <p:spPr>
           <a:xfrm>
-            <a:off x="6116617" y="6106712"/>
+            <a:off x="6081447" y="6533766"/>
             <a:ext cx="2152104" cy="938260"/>
           </a:xfrm>
           <a:prstGeom prst="rect">
